--- a/presentation/Test.pptx
+++ b/presentation/Test.pptx
@@ -3469,11 +3469,11 @@
           <a:p>
             <a:pPr algn="ctr"/>
             <a:r>
-              <a:rPr lang="en-US" sz="8800" dirty="0">
+              <a:rPr lang="en-US" sz="8800" b="1" dirty="0">
                 <a:solidFill>
                   <a:srgbClr val="F6DEB3"/>
                 </a:solidFill>
-                <a:latin typeface="Algerian" panose="04020705040A02060702" pitchFamily="82" charset="0"/>
+                <a:latin typeface="+mn-lt"/>
               </a:rPr>
               <a:t>WHEAT</a:t>
             </a:r>
@@ -3602,11 +3602,11 @@
           <a:p>
             <a:pPr algn="ctr"/>
             <a:r>
-              <a:rPr lang="en-US" sz="8800" dirty="0">
+              <a:rPr lang="en-US" sz="8800" b="1" dirty="0">
                 <a:solidFill>
                   <a:schemeClr val="bg1"/>
                 </a:solidFill>
-                <a:latin typeface="Algerian" panose="04020705040A02060702" pitchFamily="82" charset="0"/>
+                <a:latin typeface="+mn-lt"/>
               </a:rPr>
               <a:t>BLACK</a:t>
             </a:r>
